--- a/employee data analysis.pptx
+++ b/employee data analysis.pptx
@@ -1394,7 +1394,7 @@
           <a:p>
             <a:fld id="{84B86612-B127-4CD0-BF15-66D49A7175F7}" type="datetimeFigureOut">
               <a:rPr lang="en-IN" smtClean="0"/>
-              <a:t>31-08-2024</a:t>
+              <a:t>09-09-2024</a:t>
             </a:fld>
             <a:endParaRPr lang="en-IN"/>
           </a:p>
@@ -1891,7 +1891,7 @@
           <a:p>
             <a:fld id="{1D8BD707-D9CF-40AE-B4C6-C98DA3205C09}" type="datetimeFigureOut">
               <a:rPr lang="en-US"/>
-              <a:t>8/31/2024</a:t>
+              <a:t>9/9/2024</a:t>
             </a:fld>
             <a:endParaRPr lang="en-US"/>
           </a:p>
@@ -2071,7 +2071,7 @@
           <a:p>
             <a:fld id="{1D8BD707-D9CF-40AE-B4C6-C98DA3205C09}" type="datetimeFigureOut">
               <a:rPr lang="en-US"/>
-              <a:t>8/31/2024</a:t>
+              <a:t>9/9/2024</a:t>
             </a:fld>
             <a:endParaRPr lang="en-US"/>
           </a:p>
@@ -2294,7 +2294,7 @@
           <a:p>
             <a:fld id="{1D8BD707-D9CF-40AE-B4C6-C98DA3205C09}" type="datetimeFigureOut">
               <a:rPr lang="en-US"/>
-              <a:t>8/31/2024</a:t>
+              <a:t>9/9/2024</a:t>
             </a:fld>
             <a:endParaRPr lang="en-US"/>
           </a:p>
@@ -2451,7 +2451,7 @@
           <a:p>
             <a:fld id="{1D8BD707-D9CF-40AE-B4C6-C98DA3205C09}" type="datetimeFigureOut">
               <a:rPr lang="en-US"/>
-              <a:t>8/31/2024</a:t>
+              <a:t>9/9/2024</a:t>
             </a:fld>
             <a:endParaRPr lang="en-US"/>
           </a:p>
@@ -2579,7 +2579,7 @@
           <a:p>
             <a:fld id="{1D8BD707-D9CF-40AE-B4C6-C98DA3205C09}" type="datetimeFigureOut">
               <a:rPr lang="en-US"/>
-              <a:t>8/31/2024</a:t>
+              <a:t>9/9/2024</a:t>
             </a:fld>
             <a:endParaRPr lang="en-US"/>
           </a:p>
@@ -3298,7 +3298,7 @@
           <a:p>
             <a:fld id="{1D8BD707-D9CF-40AE-B4C6-C98DA3205C09}" type="datetimeFigureOut">
               <a:rPr lang="en-US"/>
-              <a:t>8/31/2024</a:t>
+              <a:t>9/9/2024</a:t>
             </a:fld>
             <a:endParaRPr lang="en-US"/>
           </a:p>
@@ -3922,7 +3922,7 @@
             </a:r>
             <a:r>
               <a:rPr lang="en-IN" sz="2400" dirty="0"/>
-              <a:t>: SUBASHINI.J</a:t>
+              <a:t>: HARISH K</a:t>
             </a:r>
             <a:endParaRPr lang="en-US" sz="2400" dirty="0"/>
           </a:p>
@@ -3933,7 +3933,7 @@
             </a:r>
             <a:r>
               <a:rPr lang="en-IN" sz="2400" dirty="0"/>
-              <a:t> 312210872</a:t>
+              <a:t> 312219553</a:t>
             </a:r>
             <a:endParaRPr lang="en-US" sz="2400" dirty="0"/>
           </a:p>
@@ -3944,15 +3944,20 @@
             </a:r>
             <a:r>
               <a:rPr lang="en-IN" sz="2400" dirty="0"/>
-              <a:t>(General) III - B</a:t>
+              <a:t>(CA)III </a:t>
             </a:r>
             <a:endParaRPr lang="en-US" sz="2400" dirty="0"/>
           </a:p>
           <a:p>
             <a:r>
               <a:rPr lang="en-US" sz="2400" dirty="0"/>
-              <a:t>COLLEGE: BHAKTAVATSALAM MEMORIAL COLLEGE FOR WOMEN</a:t>
-            </a:r>
+              <a:t>COLLEGE: </a:t>
+            </a:r>
+            <a:r>
+              <a:rPr lang="en-IN" sz="2400" dirty="0"/>
+              <a:t>SA COLLEGE OF ARTS AND SCIENCE </a:t>
+            </a:r>
+            <a:endParaRPr lang="en-US" sz="2400" dirty="0"/>
           </a:p>
           <a:p>
             <a:r>
